--- a/PresentaciónTT1/Rem-Pills.pptx
+++ b/PresentaciónTT1/Rem-Pills.pptx
@@ -167,6 +167,9 @@
         </p14:section>
       </p14:sectionLst>
     </p:ext>
+    <p:ext uri="{EFAFB233-063F-42B5-8137-9DF3F51BA10A}">
+      <p15:sldGuideLst xmlns:p15="http://schemas.microsoft.com/office/powerpoint/2012/main"/>
+    </p:ext>
   </p:extLst>
 </p:presentation>
 </file>
@@ -253,7 +256,7 @@
           <a:p>
             <a:fld id="{05AB7413-8A7E-43A2-A4F4-CB0800CD72E5}" type="datetimeFigureOut">
               <a:rPr lang="es-MX" smtClean="0"/>
-              <a:t>23/10/2018</a:t>
+              <a:t>24/10/2018</a:t>
             </a:fld>
             <a:endParaRPr lang="es-MX"/>
           </a:p>
@@ -670,7 +673,7 @@
           <a:p>
             <a:fld id="{5D2C8578-12D0-4EC6-A19E-E7144962C622}" type="datetime1">
               <a:rPr lang="es-MX" smtClean="0"/>
-              <a:t>23/10/2018</a:t>
+              <a:t>24/10/2018</a:t>
             </a:fld>
             <a:endParaRPr lang="es-MX"/>
           </a:p>
@@ -870,7 +873,7 @@
           <a:p>
             <a:fld id="{0CF4EA77-6766-4777-90FF-1D913B4EA787}" type="datetime1">
               <a:rPr lang="es-MX" smtClean="0"/>
-              <a:t>23/10/2018</a:t>
+              <a:t>24/10/2018</a:t>
             </a:fld>
             <a:endParaRPr lang="es-MX"/>
           </a:p>
@@ -1080,7 +1083,7 @@
           <a:p>
             <a:fld id="{79EFCF66-4AC0-454B-BC5F-F380486F91E1}" type="datetime1">
               <a:rPr lang="es-MX" smtClean="0"/>
-              <a:t>23/10/2018</a:t>
+              <a:t>24/10/2018</a:t>
             </a:fld>
             <a:endParaRPr lang="es-MX"/>
           </a:p>
@@ -1280,7 +1283,7 @@
           <a:p>
             <a:fld id="{56876619-8799-4329-8282-1D0EFD6F9DA8}" type="datetime1">
               <a:rPr lang="es-MX" smtClean="0"/>
-              <a:t>23/10/2018</a:t>
+              <a:t>24/10/2018</a:t>
             </a:fld>
             <a:endParaRPr lang="es-MX"/>
           </a:p>
@@ -1556,7 +1559,7 @@
           <a:p>
             <a:fld id="{2100B60E-4CB4-4549-8AB7-BB9814776CAE}" type="datetime1">
               <a:rPr lang="es-MX" smtClean="0"/>
-              <a:t>23/10/2018</a:t>
+              <a:t>24/10/2018</a:t>
             </a:fld>
             <a:endParaRPr lang="es-MX"/>
           </a:p>
@@ -1824,7 +1827,7 @@
           <a:p>
             <a:fld id="{E9BBE0EB-DEC8-4CFD-81D0-46C5A6CF91C1}" type="datetime1">
               <a:rPr lang="es-MX" smtClean="0"/>
-              <a:t>23/10/2018</a:t>
+              <a:t>24/10/2018</a:t>
             </a:fld>
             <a:endParaRPr lang="es-MX"/>
           </a:p>
@@ -2239,7 +2242,7 @@
           <a:p>
             <a:fld id="{C9F25F1E-6E13-4142-9E90-52EE49DA89E4}" type="datetime1">
               <a:rPr lang="es-MX" smtClean="0"/>
-              <a:t>23/10/2018</a:t>
+              <a:t>24/10/2018</a:t>
             </a:fld>
             <a:endParaRPr lang="es-MX"/>
           </a:p>
@@ -2381,7 +2384,7 @@
           <a:p>
             <a:fld id="{1526AE4B-580C-4DF3-B4EF-ABA5CD915027}" type="datetime1">
               <a:rPr lang="es-MX" smtClean="0"/>
-              <a:t>23/10/2018</a:t>
+              <a:t>24/10/2018</a:t>
             </a:fld>
             <a:endParaRPr lang="es-MX"/>
           </a:p>
@@ -2494,7 +2497,7 @@
           <a:p>
             <a:fld id="{C33A4B9E-F08A-47F8-BA23-7855AF8D6348}" type="datetime1">
               <a:rPr lang="es-MX" smtClean="0"/>
-              <a:t>23/10/2018</a:t>
+              <a:t>24/10/2018</a:t>
             </a:fld>
             <a:endParaRPr lang="es-MX"/>
           </a:p>
@@ -2807,7 +2810,7 @@
           <a:p>
             <a:fld id="{F4E7643A-2972-442A-B6F9-6CCA2C873305}" type="datetime1">
               <a:rPr lang="es-MX" smtClean="0"/>
-              <a:t>23/10/2018</a:t>
+              <a:t>24/10/2018</a:t>
             </a:fld>
             <a:endParaRPr lang="es-MX"/>
           </a:p>
@@ -3096,7 +3099,7 @@
           <a:p>
             <a:fld id="{DC716476-19DD-49C6-850E-810B14BFC936}" type="datetime1">
               <a:rPr lang="es-MX" smtClean="0"/>
-              <a:t>23/10/2018</a:t>
+              <a:t>24/10/2018</a:t>
             </a:fld>
             <a:endParaRPr lang="es-MX"/>
           </a:p>
@@ -3339,7 +3342,7 @@
           <a:p>
             <a:fld id="{B3071AC2-0887-4188-8DCF-BD69C3A14204}" type="datetime1">
               <a:rPr lang="es-MX" smtClean="0"/>
-              <a:t>23/10/2018</a:t>
+              <a:t>24/10/2018</a:t>
             </a:fld>
             <a:endParaRPr lang="es-MX"/>
           </a:p>
@@ -5870,7 +5873,7 @@
                 <a:latin typeface="Times New Roman" panose="02020603050405020304" pitchFamily="18" charset="0"/>
                 <a:cs typeface="Times New Roman" panose="02020603050405020304" pitchFamily="18" charset="0"/>
               </a:rPr>
-              <a:t>Problemática</a:t>
+              <a:t>Objetivos</a:t>
             </a:r>
           </a:p>
           <a:p>
@@ -5882,7 +5885,7 @@
                 <a:latin typeface="Times New Roman" panose="02020603050405020304" pitchFamily="18" charset="0"/>
                 <a:cs typeface="Times New Roman" panose="02020603050405020304" pitchFamily="18" charset="0"/>
               </a:rPr>
-              <a:t>Solución Propuesta</a:t>
+              <a:t>Justificación</a:t>
             </a:r>
           </a:p>
           <a:p>
@@ -5894,7 +5897,7 @@
                 <a:latin typeface="Times New Roman" panose="02020603050405020304" pitchFamily="18" charset="0"/>
                 <a:cs typeface="Times New Roman" panose="02020603050405020304" pitchFamily="18" charset="0"/>
               </a:rPr>
-              <a:t>Tecnologías</a:t>
+              <a:t>Problemática</a:t>
             </a:r>
           </a:p>
           <a:p>
@@ -5906,7 +5909,52 @@
                 <a:latin typeface="Times New Roman" panose="02020603050405020304" pitchFamily="18" charset="0"/>
                 <a:cs typeface="Times New Roman" panose="02020603050405020304" pitchFamily="18" charset="0"/>
               </a:rPr>
-              <a:t>Trabajo Terminal 1</a:t>
+              <a:t>Propuesta de solución</a:t>
+            </a:r>
+          </a:p>
+          <a:p>
+            <a:pPr marL="0" indent="0">
+              <a:buNone/>
+            </a:pPr>
+            <a:r>
+              <a:rPr lang="es-MX" sz="2400" dirty="0">
+                <a:latin typeface="Times New Roman" panose="02020603050405020304" pitchFamily="18" charset="0"/>
+                <a:cs typeface="Times New Roman" panose="02020603050405020304" pitchFamily="18" charset="0"/>
+              </a:rPr>
+              <a:t>Metodología(</a:t>
+            </a:r>
+            <a:r>
+              <a:rPr lang="es-MX" sz="2400" dirty="0" err="1">
+                <a:latin typeface="Times New Roman" panose="02020603050405020304" pitchFamily="18" charset="0"/>
+                <a:cs typeface="Times New Roman" panose="02020603050405020304" pitchFamily="18" charset="0"/>
+              </a:rPr>
+              <a:t>Sprints</a:t>
+            </a:r>
+            <a:r>
+              <a:rPr lang="es-MX" sz="2400" dirty="0">
+                <a:latin typeface="Times New Roman" panose="02020603050405020304" pitchFamily="18" charset="0"/>
+                <a:cs typeface="Times New Roman" panose="02020603050405020304" pitchFamily="18" charset="0"/>
+              </a:rPr>
+              <a:t>)</a:t>
+            </a:r>
+            <a:r>
+              <a:rPr lang="es-MX" sz="2400" u="sng" dirty="0">
+                <a:latin typeface="Times New Roman" panose="02020603050405020304" pitchFamily="18" charset="0"/>
+                <a:cs typeface="Times New Roman" panose="02020603050405020304" pitchFamily="18" charset="0"/>
+              </a:rPr>
+              <a:t> (maqueta) análisis y modelado de cada sprint</a:t>
+            </a:r>
+          </a:p>
+          <a:p>
+            <a:pPr marL="0" indent="0">
+              <a:buNone/>
+            </a:pPr>
+            <a:r>
+              <a:rPr lang="es-MX" sz="2400" dirty="0">
+                <a:latin typeface="Times New Roman" panose="02020603050405020304" pitchFamily="18" charset="0"/>
+                <a:cs typeface="Times New Roman" panose="02020603050405020304" pitchFamily="18" charset="0"/>
+              </a:rPr>
+              <a:t>Tecnologías</a:t>
             </a:r>
           </a:p>
           <a:p>
